--- a/1/class 1.pptx
+++ b/1/class 1.pptx
@@ -3485,7 +3485,18 @@
                 <a:ea typeface="Heiti SC Light" charset="-122"/>
                 <a:cs typeface="Heiti SC Light" charset="-122"/>
               </a:rPr>
-              <a:t>Applied Python For Data Analysis</a:t>
+              <a:t>Python 101 For </a:t>
+            </a:r>
+            <a:r>
+              <a:rPr kumimoji="1" lang="en-US" altLang="zh-CN" sz="4000" b="1" dirty="0" smtClean="0">
+                <a:solidFill>
+                  <a:schemeClr val="bg1"/>
+                </a:solidFill>
+                <a:latin typeface="Heiti SC Light" charset="-122"/>
+                <a:ea typeface="Heiti SC Light" charset="-122"/>
+                <a:cs typeface="Heiti SC Light" charset="-122"/>
+              </a:rPr>
+              <a:t>Data Analysis</a:t>
             </a:r>
             <a:endParaRPr kumimoji="1" lang="zh-CN" altLang="en-US" sz="4000" b="1" dirty="0">
               <a:solidFill>
@@ -4300,7 +4311,7 @@
         </p:blipFill>
         <p:spPr>
           <a:xfrm>
-            <a:off x="3041814" y="3604946"/>
+            <a:off x="8972595" y="1321356"/>
             <a:ext cx="1487458" cy="1487458"/>
           </a:xfrm>
           <a:prstGeom prst="rect">
@@ -4316,7 +4327,7 @@
         </p:nvSpPr>
         <p:spPr>
           <a:xfrm>
-            <a:off x="938584" y="2065085"/>
+            <a:off x="237829" y="1167468"/>
             <a:ext cx="6615897" cy="523220"/>
           </a:xfrm>
           <a:prstGeom prst="rect">
@@ -4362,7 +4373,7 @@
         </p:blipFill>
         <p:spPr bwMode="auto">
           <a:xfrm>
-            <a:off x="6795657" y="3306065"/>
+            <a:off x="9034655" y="3126603"/>
             <a:ext cx="2390775" cy="1914525"/>
           </a:xfrm>
           <a:prstGeom prst="rect">
@@ -4887,11 +4898,7 @@
           <a:p>
             <a:r>
               <a:rPr lang="en-US" dirty="0" smtClean="0"/>
-              <a:t>3 </a:t>
-            </a:r>
-            <a:r>
-              <a:rPr lang="en-US" dirty="0" smtClean="0"/>
-              <a:t>Years of Python Experience. Use Python mainly for data analysis, product testing automation. </a:t>
+              <a:t>3 Years of Python Experience. Use Python mainly for data analysis, product testing automation. </a:t>
             </a:r>
           </a:p>
           <a:p>
@@ -5170,11 +5177,7 @@
             <a:pPr lvl="1"/>
             <a:r>
               <a:rPr lang="zh-CN" altLang="en-US" dirty="0" smtClean="0"/>
-              <a:t>动态语</a:t>
-            </a:r>
-            <a:r>
-              <a:rPr lang="zh-CN" altLang="en-US" dirty="0" smtClean="0"/>
-              <a:t>言</a:t>
+              <a:t>动态语言</a:t>
             </a:r>
             <a:endParaRPr lang="en-US" altLang="zh-CN" dirty="0" smtClean="0"/>
           </a:p>
@@ -5516,13 +5519,8 @@
             <a:pPr lvl="1"/>
             <a:r>
               <a:rPr lang="en-US" dirty="0" smtClean="0"/>
-              <a:t>Python2 and python3 should be already </a:t>
-            </a:r>
-            <a:r>
-              <a:rPr lang="en-US" dirty="0" smtClean="0"/>
-              <a:t>installed</a:t>
-            </a:r>
-            <a:endParaRPr lang="en-US" dirty="0" smtClean="0"/>
+              <a:t>Python2 and python3 should be already installed</a:t>
+            </a:r>
           </a:p>
           <a:p>
             <a:pPr lvl="1"/>

--- a/1/class 1.pptx
+++ b/1/class 1.pptx
@@ -3485,10 +3485,10 @@
                 <a:ea typeface="Heiti SC Light" charset="-122"/>
                 <a:cs typeface="Heiti SC Light" charset="-122"/>
               </a:rPr>
-              <a:t>Python 101 For </a:t>
-            </a:r>
-            <a:r>
-              <a:rPr kumimoji="1" lang="en-US" altLang="zh-CN" sz="4000" b="1" dirty="0" smtClean="0">
+              <a:t>Python</a:t>
+            </a:r>
+            <a:r>
+              <a:rPr kumimoji="1" lang="zh-CN" altLang="en-US" sz="4000" b="1" dirty="0" smtClean="0">
                 <a:solidFill>
                   <a:schemeClr val="bg1"/>
                 </a:solidFill>
@@ -3496,16 +3496,30 @@
                 <a:ea typeface="Heiti SC Light" charset="-122"/>
                 <a:cs typeface="Heiti SC Light" charset="-122"/>
               </a:rPr>
-              <a:t>Data Analysis</a:t>
-            </a:r>
-            <a:endParaRPr kumimoji="1" lang="zh-CN" altLang="en-US" sz="4000" b="1" dirty="0">
-              <a:solidFill>
-                <a:schemeClr val="bg1"/>
-              </a:solidFill>
-              <a:latin typeface="Heiti SC Light" charset="-122"/>
-              <a:ea typeface="Heiti SC Light" charset="-122"/>
-              <a:cs typeface="Heiti SC Light" charset="-122"/>
-            </a:endParaRPr>
+              <a:t>数</a:t>
+            </a:r>
+            <a:r>
+              <a:rPr kumimoji="1" lang="zh-CN" altLang="en-US" sz="4000" b="1" dirty="0">
+                <a:solidFill>
+                  <a:schemeClr val="bg1"/>
+                </a:solidFill>
+                <a:latin typeface="Heiti SC Light" charset="-122"/>
+                <a:ea typeface="Heiti SC Light" charset="-122"/>
+                <a:cs typeface="Heiti SC Light" charset="-122"/>
+              </a:rPr>
+              <a:t>据分析</a:t>
+            </a:r>
+            <a:r>
+              <a:rPr kumimoji="1" lang="en-US" altLang="zh-CN" sz="4000" b="1" dirty="0" smtClean="0">
+                <a:solidFill>
+                  <a:schemeClr val="bg1"/>
+                </a:solidFill>
+                <a:latin typeface="Heiti SC Light" charset="-122"/>
+                <a:ea typeface="Heiti SC Light" charset="-122"/>
+                <a:cs typeface="Heiti SC Light" charset="-122"/>
+              </a:rPr>
+              <a:t>101</a:t>
+            </a:r>
           </a:p>
         </p:txBody>
       </p:sp>
@@ -3519,6 +3533,13 @@
   <p:clrMapOvr>
     <a:masterClrMapping/>
   </p:clrMapOvr>
+  <p:timing>
+    <p:tnLst>
+      <p:par>
+        <p:cTn id="1" dur="indefinite" restart="never" nodeType="tmRoot"/>
+      </p:par>
+    </p:tnLst>
+  </p:timing>
 </p:sld>
 </file>
 
@@ -4008,7 +4029,7 @@
         <p:spPr>
           <a:xfrm>
             <a:off x="846744" y="4630231"/>
-            <a:ext cx="11006272" cy="1200329"/>
+            <a:ext cx="11006272" cy="923330"/>
           </a:xfrm>
           <a:prstGeom prst="rect">
             <a:avLst/>
@@ -4065,10 +4086,17 @@
                 </a:solidFill>
                 <a:latin typeface="Consolas" panose="020B0609020204030204" pitchFamily="49" charset="0"/>
               </a:rPr>
-              <a:t>"Hello World" on 31, Oct 2017</a:t>
-            </a:r>
-          </a:p>
-          <a:p>
+              <a:t>"Hello World" on </a:t>
+            </a:r>
+            <a:r>
+              <a:rPr lang="en-US" dirty="0" smtClean="0">
+                <a:solidFill>
+                  <a:srgbClr val="D4D4D4"/>
+                </a:solidFill>
+                <a:latin typeface="Consolas" panose="020B0609020204030204" pitchFamily="49" charset="0"/>
+              </a:rPr>
+              <a:t>03, Nov </a:t>
+            </a:r>
             <a:r>
               <a:rPr lang="en-US" dirty="0">
                 <a:solidFill>
@@ -4076,70 +4104,10 @@
                 </a:solidFill>
                 <a:latin typeface="Consolas" panose="020B0609020204030204" pitchFamily="49" charset="0"/>
               </a:rPr>
-              <a:t/>
-            </a:r>
-            <a:br>
-              <a:rPr lang="en-US" dirty="0">
-                <a:solidFill>
-                  <a:srgbClr val="D4D4D4"/>
-                </a:solidFill>
-                <a:latin typeface="Consolas" panose="020B0609020204030204" pitchFamily="49" charset="0"/>
-              </a:rPr>
-            </a:br>
-            <a:r>
-              <a:rPr lang="en-US" dirty="0">
-                <a:solidFill>
-                  <a:srgbClr val="6796E6"/>
-                </a:solidFill>
-                <a:latin typeface="Consolas" panose="020B0609020204030204" pitchFamily="49" charset="0"/>
-              </a:rPr>
-              <a:t>[Done]</a:t>
-            </a:r>
-            <a:r>
-              <a:rPr lang="en-US" dirty="0">
-                <a:solidFill>
-                  <a:srgbClr val="CE9178"/>
-                </a:solidFill>
-                <a:latin typeface="Consolas" panose="020B0609020204030204" pitchFamily="49" charset="0"/>
-              </a:rPr>
-              <a:t> exited with </a:t>
-            </a:r>
-            <a:r>
-              <a:rPr lang="en-US" dirty="0">
-                <a:solidFill>
-                  <a:srgbClr val="B267E6"/>
-                </a:solidFill>
-                <a:latin typeface="Consolas" panose="020B0609020204030204" pitchFamily="49" charset="0"/>
-              </a:rPr>
-              <a:t>code=0</a:t>
-            </a:r>
-            <a:r>
-              <a:rPr lang="en-US" dirty="0">
-                <a:solidFill>
-                  <a:srgbClr val="CE9178"/>
-                </a:solidFill>
-                <a:latin typeface="Consolas" panose="020B0609020204030204" pitchFamily="49" charset="0"/>
-              </a:rPr>
-              <a:t> in </a:t>
-            </a:r>
-            <a:r>
-              <a:rPr lang="en-US" dirty="0">
-                <a:solidFill>
-                  <a:srgbClr val="B5CEA8"/>
-                </a:solidFill>
-                <a:latin typeface="Consolas" panose="020B0609020204030204" pitchFamily="49" charset="0"/>
-              </a:rPr>
-              <a:t>0.176</a:t>
-            </a:r>
-            <a:r>
-              <a:rPr lang="en-US" dirty="0">
-                <a:solidFill>
-                  <a:srgbClr val="CE9178"/>
-                </a:solidFill>
-                <a:latin typeface="Consolas" panose="020B0609020204030204" pitchFamily="49" charset="0"/>
-              </a:rPr>
-              <a:t> seconds</a:t>
-            </a:r>
+              <a:t>2017</a:t>
+            </a:r>
+          </a:p>
+          <a:p>
             <a:endParaRPr lang="en-US" b="0" dirty="0">
               <a:solidFill>
                 <a:srgbClr val="D4D4D4"/>
@@ -4311,7 +4279,7 @@
         </p:blipFill>
         <p:spPr>
           <a:xfrm>
-            <a:off x="8972595" y="1321356"/>
+            <a:off x="9063861" y="4076343"/>
             <a:ext cx="1487458" cy="1487458"/>
           </a:xfrm>
           <a:prstGeom prst="rect">
@@ -4327,8 +4295,8 @@
         </p:nvSpPr>
         <p:spPr>
           <a:xfrm>
-            <a:off x="237829" y="1167468"/>
-            <a:ext cx="6615897" cy="523220"/>
+            <a:off x="307975" y="863029"/>
+            <a:ext cx="6615897" cy="1015663"/>
           </a:xfrm>
           <a:prstGeom prst="rect">
             <a:avLst/>
@@ -4341,12 +4309,54 @@
           <a:lstStyle/>
           <a:p>
             <a:r>
-              <a:rPr lang="en-US" sz="2800" dirty="0">
+              <a:rPr lang="zh-CN" altLang="en-US" sz="2000" dirty="0" smtClean="0"/>
+              <a:t>课程将会在</a:t>
+            </a:r>
+            <a:r>
+              <a:rPr lang="en-US" altLang="zh-CN" sz="2000" dirty="0" err="1" smtClean="0"/>
+              <a:t>ppt</a:t>
+            </a:r>
+            <a:r>
+              <a:rPr lang="en-US" altLang="zh-CN" sz="2000" dirty="0" smtClean="0"/>
+              <a:t>, </a:t>
+            </a:r>
+            <a:r>
+              <a:rPr lang="en-US" altLang="zh-CN" sz="2000" dirty="0" smtClean="0"/>
+              <a:t>code</a:t>
+            </a:r>
+            <a:r>
+              <a:rPr lang="zh-CN" altLang="en-US" sz="2000" dirty="0" smtClean="0"/>
+              <a:t>之</a:t>
+            </a:r>
+            <a:r>
+              <a:rPr lang="zh-CN" altLang="en-US" sz="2000" dirty="0" smtClean="0"/>
+              <a:t>间切换</a:t>
+            </a:r>
+            <a:endParaRPr lang="en-US" altLang="zh-CN" sz="2000" dirty="0" smtClean="0"/>
+          </a:p>
+          <a:p>
+            <a:r>
+              <a:rPr lang="en-US" altLang="zh-CN" sz="2000" dirty="0" smtClean="0"/>
+              <a:t>Demo &amp; Homework</a:t>
+            </a:r>
+            <a:endParaRPr lang="en-US" sz="2000" dirty="0" smtClean="0">
+              <a:hlinkClick r:id="rId3"/>
+            </a:endParaRPr>
+          </a:p>
+          <a:p>
+            <a:r>
+              <a:rPr lang="en-US" sz="2000" dirty="0" smtClean="0">
                 <a:hlinkClick r:id="rId3"/>
               </a:rPr>
-              <a:t>https://github.com/alexluliu/python101</a:t>
-            </a:r>
-            <a:endParaRPr lang="en-US" sz="2800" dirty="0"/>
+              <a:t>https</a:t>
+            </a:r>
+            <a:r>
+              <a:rPr lang="en-US" sz="2000" dirty="0">
+                <a:hlinkClick r:id="rId3"/>
+              </a:rPr>
+              <a:t>://github.com/alexluliu/python101</a:t>
+            </a:r>
+            <a:endParaRPr lang="en-US" sz="2000" dirty="0"/>
           </a:p>
         </p:txBody>
       </p:sp>
@@ -4373,7 +4383,7 @@
         </p:blipFill>
         <p:spPr bwMode="auto">
           <a:xfrm>
-            <a:off x="9034655" y="3126603"/>
+            <a:off x="8912476" y="1750730"/>
             <a:ext cx="2390775" cy="1914525"/>
           </a:xfrm>
           <a:prstGeom prst="rect">
@@ -4391,6 +4401,94 @@
           </a:extLst>
         </p:spPr>
       </p:pic>
+      <p:pic>
+        <p:nvPicPr>
+          <p:cNvPr id="3" name="Picture 2"/>
+          <p:cNvPicPr>
+            <a:picLocks noChangeAspect="1"/>
+          </p:cNvPicPr>
+          <p:nvPr/>
+        </p:nvPicPr>
+        <p:blipFill>
+          <a:blip r:embed="rId5"/>
+          <a:stretch>
+            <a:fillRect/>
+          </a:stretch>
+        </p:blipFill>
+        <p:spPr>
+          <a:xfrm>
+            <a:off x="537287" y="1878692"/>
+            <a:ext cx="6776326" cy="2495821"/>
+          </a:xfrm>
+          <a:prstGeom prst="rect">
+            <a:avLst/>
+          </a:prstGeom>
+        </p:spPr>
+      </p:pic>
+      <p:pic>
+        <p:nvPicPr>
+          <p:cNvPr id="4" name="Picture 3"/>
+          <p:cNvPicPr>
+            <a:picLocks noChangeAspect="1"/>
+          </p:cNvPicPr>
+          <p:nvPr/>
+        </p:nvPicPr>
+        <p:blipFill>
+          <a:blip r:embed="rId6"/>
+          <a:stretch>
+            <a:fillRect/>
+          </a:stretch>
+        </p:blipFill>
+        <p:spPr>
+          <a:xfrm>
+            <a:off x="622746" y="4463906"/>
+            <a:ext cx="6889008" cy="1787342"/>
+          </a:xfrm>
+          <a:prstGeom prst="rect">
+            <a:avLst/>
+          </a:prstGeom>
+        </p:spPr>
+      </p:pic>
+      <p:sp>
+        <p:nvSpPr>
+          <p:cNvPr id="6" name="Down Arrow 5"/>
+          <p:cNvSpPr/>
+          <p:nvPr/>
+        </p:nvSpPr>
+        <p:spPr>
+          <a:xfrm>
+            <a:off x="700755" y="4247260"/>
+            <a:ext cx="137445" cy="307648"/>
+          </a:xfrm>
+          <a:prstGeom prst="downArrow">
+            <a:avLst/>
+          </a:prstGeom>
+        </p:spPr>
+        <p:style>
+          <a:lnRef idx="2">
+            <a:schemeClr val="accent1">
+              <a:shade val="50000"/>
+            </a:schemeClr>
+          </a:lnRef>
+          <a:fillRef idx="1">
+            <a:schemeClr val="accent1"/>
+          </a:fillRef>
+          <a:effectRef idx="0">
+            <a:schemeClr val="accent1"/>
+          </a:effectRef>
+          <a:fontRef idx="minor">
+            <a:schemeClr val="lt1"/>
+          </a:fontRef>
+        </p:style>
+        <p:txBody>
+          <a:bodyPr rtlCol="0" anchor="ctr"/>
+          <a:lstStyle/>
+          <a:p>
+            <a:pPr algn="ctr"/>
+            <a:endParaRPr lang="en-US"/>
+          </a:p>
+        </p:txBody>
+      </p:sp>
     </p:spTree>
     <p:extLst>
       <p:ext uri="{BB962C8B-B14F-4D97-AF65-F5344CB8AC3E}">
@@ -4568,7 +4666,12 @@
             <p:ph idx="1"/>
           </p:nvPr>
         </p:nvSpPr>
-        <p:spPr/>
+        <p:spPr>
+          <a:xfrm>
+            <a:off x="838200" y="1338514"/>
+            <a:ext cx="10515600" cy="4351338"/>
+          </a:xfrm>
+        </p:spPr>
         <p:txBody>
           <a:bodyPr>
             <a:normAutofit lnSpcReduction="10000"/>
@@ -4661,7 +4764,11 @@
             </a:r>
             <a:r>
               <a:rPr lang="zh-CN" altLang="en-US" dirty="0"/>
-              <a:t>据处理 </a:t>
+              <a:t>据处</a:t>
+            </a:r>
+            <a:r>
+              <a:rPr lang="zh-CN" altLang="en-US" dirty="0" smtClean="0"/>
+              <a:t>理 </a:t>
             </a:r>
             <a:r>
               <a:rPr lang="en-US" altLang="zh-CN" dirty="0"/>
@@ -4735,26 +4842,6 @@
           <a:p>
             <a:pPr lvl="1"/>
             <a:r>
-              <a:rPr lang="zh-CN" altLang="en-US" dirty="0"/>
-              <a:t>如</a:t>
-            </a:r>
-            <a:r>
-              <a:rPr lang="zh-CN" altLang="en-US" dirty="0" smtClean="0"/>
-              <a:t>何设置</a:t>
-            </a:r>
-            <a:r>
-              <a:rPr lang="zh-CN" altLang="en-US" dirty="0"/>
-              <a:t>编</a:t>
-            </a:r>
-            <a:r>
-              <a:rPr lang="zh-CN" altLang="en-US" dirty="0" smtClean="0"/>
-              <a:t>程环境</a:t>
-            </a:r>
-            <a:endParaRPr lang="en-US" altLang="zh-CN" dirty="0" smtClean="0"/>
-          </a:p>
-          <a:p>
-            <a:pPr lvl="1"/>
-            <a:r>
               <a:rPr lang="en-US" altLang="zh-CN" dirty="0" smtClean="0"/>
               <a:t>Python</a:t>
             </a:r>
@@ -4788,7 +4875,7 @@
             </a:r>
             <a:r>
               <a:rPr lang="en-US" altLang="zh-CN" dirty="0" smtClean="0"/>
-              <a:t>troubleshoot</a:t>
+              <a:t>debug</a:t>
             </a:r>
             <a:r>
               <a:rPr lang="zh-CN" altLang="en-US" dirty="0" smtClean="0"/>
@@ -4802,12 +4889,16 @@
           <a:p>
             <a:pPr lvl="1"/>
             <a:r>
+              <a:rPr lang="zh-CN" altLang="en-US" dirty="0" smtClean="0"/>
+              <a:t>简单的统计，机器学习</a:t>
+            </a:r>
+            <a:r>
               <a:rPr lang="zh-CN" altLang="en-US" dirty="0"/>
-              <a:t>数</a:t>
+              <a:t>，</a:t>
             </a:r>
             <a:r>
               <a:rPr lang="zh-CN" altLang="en-US" dirty="0" smtClean="0"/>
-              <a:t>据分析的基础以及在</a:t>
+              <a:t>可视化在</a:t>
             </a:r>
             <a:r>
               <a:rPr lang="en-US" altLang="zh-CN" dirty="0" smtClean="0"/>
@@ -4818,6 +4909,32 @@
               <a:t>平台的实现</a:t>
             </a:r>
             <a:endParaRPr lang="en-US" altLang="zh-CN" dirty="0" smtClean="0"/>
+          </a:p>
+          <a:p>
+            <a:r>
+              <a:rPr lang="en-US" altLang="zh-CN" dirty="0" smtClean="0">
+                <a:solidFill>
+                  <a:srgbClr val="FF0000"/>
+                </a:solidFill>
+              </a:rPr>
+              <a:t>Successful Data Analysis Work = </a:t>
+            </a:r>
+            <a:r>
+              <a:rPr lang="en-US" altLang="zh-CN" b="1" dirty="0" smtClean="0">
+                <a:solidFill>
+                  <a:srgbClr val="FF0000"/>
+                </a:solidFill>
+              </a:rPr>
+              <a:t>Your Domain Knowledge</a:t>
+            </a:r>
+            <a:r>
+              <a:rPr lang="en-US" altLang="zh-CN" dirty="0" smtClean="0">
+                <a:solidFill>
+                  <a:srgbClr val="FF0000"/>
+                </a:solidFill>
+              </a:rPr>
+              <a:t> + statistics + programming language</a:t>
+            </a:r>
           </a:p>
         </p:txBody>
       </p:sp>
@@ -4831,6 +4948,13 @@
   <p:clrMapOvr>
     <a:masterClrMapping/>
   </p:clrMapOvr>
+  <p:timing>
+    <p:tnLst>
+      <p:par>
+        <p:cTn id="1" dur="indefinite" restart="never" nodeType="tmRoot"/>
+      </p:par>
+    </p:tnLst>
+  </p:timing>
 </p:sld>
 </file>
 
@@ -4898,19 +5022,19 @@
           <a:p>
             <a:r>
               <a:rPr lang="en-US" dirty="0" smtClean="0"/>
-              <a:t>3 Years of Python Experience. Use Python mainly for data analysis, product testing automation. </a:t>
+              <a:t>3 Years of Python Experience. Use Python mainly for data mining, testing and analysis automation, simulation. </a:t>
             </a:r>
           </a:p>
           <a:p>
             <a:r>
               <a:rPr lang="en-US" dirty="0" smtClean="0"/>
-              <a:t>PhD in Electrical Engineering</a:t>
+              <a:t>PhD in Electrical Engineering. </a:t>
             </a:r>
           </a:p>
           <a:p>
             <a:r>
               <a:rPr lang="en-US" dirty="0" smtClean="0"/>
-              <a:t>Senior Product Engineer Next Generation Hardware Product R&amp;D. </a:t>
+              <a:t>Senior Product Engineer For Next Generation Storage Product R&amp;D. </a:t>
             </a:r>
           </a:p>
           <a:p>
@@ -4931,6 +5055,13 @@
   <p:clrMapOvr>
     <a:masterClrMapping/>
   </p:clrMapOvr>
+  <p:timing>
+    <p:tnLst>
+      <p:par>
+        <p:cTn id="1" dur="indefinite" restart="never" nodeType="tmRoot"/>
+      </p:par>
+    </p:tnLst>
+  </p:timing>
 </p:sld>
 </file>
 
@@ -4988,7 +5119,7 @@
         <p:spPr>
           <a:xfrm>
             <a:off x="838200" y="1329969"/>
-            <a:ext cx="10515600" cy="4351338"/>
+            <a:ext cx="10515600" cy="5045194"/>
           </a:xfrm>
         </p:spPr>
         <p:txBody>
@@ -5007,7 +5138,23 @@
             <a:pPr lvl="1"/>
             <a:r>
               <a:rPr lang="zh-CN" altLang="en-US" dirty="0"/>
-              <a:t>简单易</a:t>
+              <a:t>通</a:t>
+            </a:r>
+            <a:r>
+              <a:rPr lang="zh-CN" altLang="en-US" dirty="0" smtClean="0"/>
+              <a:t>用动态编</a:t>
+            </a:r>
+            <a:r>
+              <a:rPr lang="zh-CN" altLang="en-US" dirty="0"/>
+              <a:t>程语</a:t>
+            </a:r>
+            <a:r>
+              <a:rPr lang="zh-CN" altLang="en-US" dirty="0" smtClean="0"/>
+              <a:t>言， 简</a:t>
+            </a:r>
+            <a:r>
+              <a:rPr lang="zh-CN" altLang="en-US" dirty="0"/>
+              <a:t>单易</a:t>
             </a:r>
             <a:r>
               <a:rPr lang="zh-CN" altLang="en-US" dirty="0" smtClean="0"/>
@@ -5019,15 +5166,19 @@
             </a:r>
             <a:r>
               <a:rPr lang="zh-CN" altLang="en-US" dirty="0" smtClean="0"/>
-              <a:t>，动态语言，跨平台</a:t>
-            </a:r>
-            <a:endParaRPr lang="en-US" altLang="zh-CN" dirty="0" smtClean="0"/>
-          </a:p>
-          <a:p>
-            <a:pPr lvl="1"/>
+              <a:t>，跨平台</a:t>
+            </a:r>
+            <a:r>
+              <a:rPr lang="en-US" altLang="zh-CN" dirty="0" smtClean="0"/>
+              <a:t>, </a:t>
+            </a:r>
+            <a:r>
+              <a:rPr lang="zh-CN" altLang="en-US" dirty="0" smtClean="0"/>
+              <a:t>可</a:t>
+            </a:r>
             <a:r>
               <a:rPr lang="zh-CN" altLang="en-US" dirty="0"/>
-              <a:t>可以代替</a:t>
+              <a:t>以代替</a:t>
             </a:r>
             <a:r>
               <a:rPr lang="en-US" altLang="zh-CN" dirty="0"/>
@@ -5108,6 +5259,26 @@
             <a:endParaRPr lang="en-US" altLang="zh-CN" dirty="0" smtClean="0"/>
           </a:p>
           <a:p>
+            <a:pPr lvl="1"/>
+            <a:r>
+              <a:rPr lang="zh-CN" altLang="en-US" dirty="0"/>
+              <a:t>大部</a:t>
+            </a:r>
+            <a:r>
+              <a:rPr lang="zh-CN" altLang="en-US" dirty="0" smtClean="0"/>
+              <a:t>分问题都能在</a:t>
+            </a:r>
+            <a:r>
+              <a:rPr lang="en-US" altLang="zh-CN" dirty="0" smtClean="0"/>
+              <a:t>stack overflow</a:t>
+            </a:r>
+            <a:r>
+              <a:rPr lang="zh-CN" altLang="en-US" dirty="0" smtClean="0"/>
+              <a:t>上寻求答案</a:t>
+            </a:r>
+            <a:endParaRPr lang="en-US" altLang="zh-CN" dirty="0" smtClean="0"/>
+          </a:p>
+          <a:p>
             <a:r>
               <a:rPr lang="zh-CN" altLang="en-US" dirty="0" smtClean="0"/>
               <a:t>缺点</a:t>
@@ -5179,6 +5350,37 @@
               <a:rPr lang="zh-CN" altLang="en-US" dirty="0" smtClean="0"/>
               <a:t>动态语言</a:t>
             </a:r>
+            <a:endParaRPr lang="en-US" altLang="zh-CN" dirty="0" smtClean="0"/>
+          </a:p>
+          <a:p>
+            <a:pPr lvl="1"/>
+            <a:r>
+              <a:rPr lang="zh-CN" altLang="en-US" dirty="0"/>
+              <a:t>缺</a:t>
+            </a:r>
+            <a:r>
+              <a:rPr lang="zh-CN" altLang="en-US" dirty="0" smtClean="0"/>
+              <a:t>乏</a:t>
+            </a:r>
+            <a:r>
+              <a:rPr lang="en-US" altLang="zh-CN" dirty="0" smtClean="0"/>
+              <a:t>interactive</a:t>
+            </a:r>
+            <a:r>
+              <a:rPr lang="zh-CN" altLang="en-US" dirty="0"/>
+              <a:t> </a:t>
+            </a:r>
+            <a:r>
+              <a:rPr lang="en-US" altLang="zh-CN" dirty="0" smtClean="0"/>
+              <a:t>data exploration</a:t>
+            </a:r>
+            <a:r>
+              <a:rPr lang="zh-CN" altLang="en-US" dirty="0" smtClean="0"/>
+              <a:t>的框架</a:t>
+            </a:r>
+            <a:endParaRPr lang="en-US" altLang="zh-CN" dirty="0" smtClean="0"/>
+          </a:p>
+          <a:p>
             <a:endParaRPr lang="en-US" altLang="zh-CN" dirty="0" smtClean="0"/>
           </a:p>
         </p:txBody>
@@ -5193,6 +5395,13 @@
   <p:clrMapOvr>
     <a:masterClrMapping/>
   </p:clrMapOvr>
+  <p:timing>
+    <p:tnLst>
+      <p:par>
+        <p:cTn id="1" dur="indefinite" restart="never" nodeType="tmRoot"/>
+      </p:par>
+    </p:tnLst>
+  </p:timing>
 </p:sld>
 </file>
 
@@ -5365,6 +5574,13 @@
   <p:clrMapOvr>
     <a:masterClrMapping/>
   </p:clrMapOvr>
+  <p:timing>
+    <p:tnLst>
+      <p:par>
+        <p:cTn id="1" dur="indefinite" restart="never" nodeType="tmRoot"/>
+      </p:par>
+    </p:tnLst>
+  </p:timing>
 </p:sld>
 </file>
 
@@ -5512,8 +5728,9 @@
           <a:p>
             <a:r>
               <a:rPr lang="en-US" dirty="0" smtClean="0"/>
-              <a:t>Ubuntu:</a:t>
-            </a:r>
+              <a:t>Linux:</a:t>
+            </a:r>
+            <a:endParaRPr lang="en-US" dirty="0" smtClean="0"/>
           </a:p>
           <a:p>
             <a:pPr lvl="1"/>
@@ -5618,6 +5835,13 @@
   <p:clrMapOvr>
     <a:masterClrMapping/>
   </p:clrMapOvr>
+  <p:timing>
+    <p:tnLst>
+      <p:par>
+        <p:cTn id="1" dur="indefinite" restart="never" nodeType="tmRoot"/>
+      </p:par>
+    </p:tnLst>
+  </p:timing>
 </p:sld>
 </file>
 
@@ -5648,15 +5872,24 @@
             <p:ph type="title"/>
           </p:nvPr>
         </p:nvSpPr>
-        <p:spPr/>
+        <p:spPr>
+          <a:xfrm>
+            <a:off x="838200" y="500062"/>
+            <a:ext cx="10515600" cy="1325563"/>
+          </a:xfrm>
+        </p:spPr>
         <p:txBody>
           <a:bodyPr/>
           <a:lstStyle/>
           <a:p>
             <a:pPr algn="r"/>
             <a:r>
-              <a:rPr lang="en-US" dirty="0" smtClean="0"/>
-              <a:t>Use A Python Third Party Distribution</a:t>
+              <a:rPr lang="zh-CN" altLang="en-US" dirty="0" smtClean="0"/>
+              <a:t>本课程推荐：</a:t>
+            </a:r>
+            <a:r>
+              <a:rPr lang="en-US" altLang="zh-CN" dirty="0" smtClean="0"/>
+              <a:t>Anaconda Python Distribution</a:t>
             </a:r>
             <a:endParaRPr lang="en-US" dirty="0"/>
           </a:p>
@@ -5779,6 +6012,22 @@
             <a:r>
               <a:rPr lang="en-US" altLang="zh-CN" dirty="0" err="1" smtClean="0"/>
               <a:t>Spyder</a:t>
+            </a:r>
+            <a:endParaRPr lang="en-US" altLang="zh-CN" dirty="0" smtClean="0"/>
+          </a:p>
+          <a:p>
+            <a:pPr lvl="1"/>
+            <a:r>
+              <a:rPr lang="zh-CN" altLang="en-US" dirty="0"/>
+              <a:t>默</a:t>
+            </a:r>
+            <a:r>
+              <a:rPr lang="zh-CN" altLang="en-US" dirty="0" smtClean="0"/>
+              <a:t>认</a:t>
+            </a:r>
+            <a:r>
+              <a:rPr lang="en-US" altLang="zh-CN" dirty="0" smtClean="0"/>
+              <a:t>python2.7</a:t>
             </a:r>
             <a:endParaRPr lang="en-US" dirty="0" smtClean="0"/>
           </a:p>
@@ -5794,6 +6043,13 @@
   <p:clrMapOvr>
     <a:masterClrMapping/>
   </p:clrMapOvr>
+  <p:timing>
+    <p:tnLst>
+      <p:par>
+        <p:cTn id="1" dur="indefinite" restart="never" nodeType="tmRoot"/>
+      </p:par>
+    </p:tnLst>
+  </p:timing>
 </p:sld>
 </file>
 
@@ -6010,6 +6266,14 @@
               <a:buNone/>
             </a:pPr>
             <a:r>
+              <a:rPr lang="zh-CN" altLang="en-US" sz="2400" dirty="0"/>
+              <a:t>必须要有要有自动补全系统和语法高</a:t>
+            </a:r>
+            <a:r>
+              <a:rPr lang="zh-CN" altLang="en-US" sz="2400" dirty="0" smtClean="0"/>
+              <a:t>亮。</a:t>
+            </a:r>
+            <a:r>
               <a:rPr lang="en-US" altLang="zh-CN" sz="2400" dirty="0" smtClean="0"/>
               <a:t>Download and try, find the best for your habit. </a:t>
             </a:r>
@@ -6047,9 +6311,20 @@
             </a:r>
             <a:r>
               <a:rPr lang="zh-CN" altLang="en-US" sz="2400" dirty="0" smtClean="0"/>
-              <a:t>演示。</a:t>
-            </a:r>
-            <a:endParaRPr lang="en-US" altLang="zh-CN" sz="2400" dirty="0" smtClean="0"/>
+              <a:t>演示</a:t>
+            </a:r>
+            <a:r>
+              <a:rPr lang="zh-CN" altLang="en-US" sz="2400" dirty="0"/>
+              <a:t>。不要理会编辑器的鄙视</a:t>
+            </a:r>
+            <a:r>
+              <a:rPr lang="zh-CN" altLang="en-US" sz="2400" dirty="0" smtClean="0"/>
+              <a:t>链</a:t>
+            </a:r>
+            <a:r>
+              <a:rPr lang="en-US" altLang="zh-CN" sz="2400" dirty="0" smtClean="0"/>
+              <a:t>. </a:t>
+            </a:r>
           </a:p>
           <a:p>
             <a:pPr marL="0" indent="0">
@@ -6085,7 +6360,6 @@
               <a:rPr lang="en-US" altLang="zh-CN" sz="2400" dirty="0" smtClean="0"/>
               <a:t>, Visual Studio Code</a:t>
             </a:r>
-            <a:endParaRPr lang="en-US" altLang="zh-CN" sz="2400" dirty="0"/>
           </a:p>
         </p:txBody>
       </p:sp>
@@ -6136,6 +6410,10 @@
           <a:p>
             <a:pPr algn="r"/>
             <a:r>
+              <a:rPr lang="zh-CN" altLang="en-US" dirty="0" smtClean="0"/>
+              <a:t>第一个程序</a:t>
+            </a:r>
+            <a:r>
               <a:rPr lang="en-US" dirty="0" smtClean="0"/>
               <a:t>Hello World</a:t>
             </a:r>
@@ -6672,6 +6950,54 @@
           </a:p>
         </p:txBody>
       </p:sp>
+      <p:pic>
+        <p:nvPicPr>
+          <p:cNvPr id="8" name="Picture 7"/>
+          <p:cNvPicPr>
+            <a:picLocks noChangeAspect="1"/>
+          </p:cNvPicPr>
+          <p:nvPr/>
+        </p:nvPicPr>
+        <p:blipFill>
+          <a:blip r:embed="rId2"/>
+          <a:stretch>
+            <a:fillRect/>
+          </a:stretch>
+        </p:blipFill>
+        <p:spPr>
+          <a:xfrm>
+            <a:off x="1201707" y="3648747"/>
+            <a:ext cx="2695575" cy="1771650"/>
+          </a:xfrm>
+          <a:prstGeom prst="rect">
+            <a:avLst/>
+          </a:prstGeom>
+        </p:spPr>
+      </p:pic>
+      <p:pic>
+        <p:nvPicPr>
+          <p:cNvPr id="9" name="Picture 8"/>
+          <p:cNvPicPr>
+            <a:picLocks noChangeAspect="1"/>
+          </p:cNvPicPr>
+          <p:nvPr/>
+        </p:nvPicPr>
+        <p:blipFill>
+          <a:blip r:embed="rId3"/>
+          <a:stretch>
+            <a:fillRect/>
+          </a:stretch>
+        </p:blipFill>
+        <p:spPr>
+          <a:xfrm>
+            <a:off x="6987611" y="3648747"/>
+            <a:ext cx="2438400" cy="1514475"/>
+          </a:xfrm>
+          <a:prstGeom prst="rect">
+            <a:avLst/>
+          </a:prstGeom>
+        </p:spPr>
+      </p:pic>
     </p:spTree>
     <p:extLst>
       <p:ext uri="{BB962C8B-B14F-4D97-AF65-F5344CB8AC3E}">
